--- a/figures/inception_v3.pptx
+++ b/figures/inception_v3.pptx
@@ -12,6 +12,7 @@
     <p:sldId id="260" r:id="rId6"/>
     <p:sldId id="261" r:id="rId7"/>
     <p:sldId id="262" r:id="rId8"/>
+    <p:sldId id="263" r:id="rId9"/>
   </p:sldIdLst>
   <p:sldSz cx="12192000" cy="6858000"/>
   <p:notesSz cx="6858000" cy="9144000"/>
@@ -267,7 +268,7 @@
           <a:p>
             <a:fld id="{177895F8-79D5-43F9-9A0B-D3E2D0BBA791}" type="datetimeFigureOut">
               <a:rPr lang="en-GB" smtClean="0"/>
-              <a:t>21/03/2021</a:t>
+              <a:t>22/03/2021</a:t>
             </a:fld>
             <a:endParaRPr lang="en-GB"/>
           </a:p>
@@ -467,7 +468,7 @@
           <a:p>
             <a:fld id="{177895F8-79D5-43F9-9A0B-D3E2D0BBA791}" type="datetimeFigureOut">
               <a:rPr lang="en-GB" smtClean="0"/>
-              <a:t>21/03/2021</a:t>
+              <a:t>22/03/2021</a:t>
             </a:fld>
             <a:endParaRPr lang="en-GB"/>
           </a:p>
@@ -677,7 +678,7 @@
           <a:p>
             <a:fld id="{177895F8-79D5-43F9-9A0B-D3E2D0BBA791}" type="datetimeFigureOut">
               <a:rPr lang="en-GB" smtClean="0"/>
-              <a:t>21/03/2021</a:t>
+              <a:t>22/03/2021</a:t>
             </a:fld>
             <a:endParaRPr lang="en-GB"/>
           </a:p>
@@ -877,7 +878,7 @@
           <a:p>
             <a:fld id="{177895F8-79D5-43F9-9A0B-D3E2D0BBA791}" type="datetimeFigureOut">
               <a:rPr lang="en-GB" smtClean="0"/>
-              <a:t>21/03/2021</a:t>
+              <a:t>22/03/2021</a:t>
             </a:fld>
             <a:endParaRPr lang="en-GB"/>
           </a:p>
@@ -1153,7 +1154,7 @@
           <a:p>
             <a:fld id="{177895F8-79D5-43F9-9A0B-D3E2D0BBA791}" type="datetimeFigureOut">
               <a:rPr lang="en-GB" smtClean="0"/>
-              <a:t>21/03/2021</a:t>
+              <a:t>22/03/2021</a:t>
             </a:fld>
             <a:endParaRPr lang="en-GB"/>
           </a:p>
@@ -1421,7 +1422,7 @@
           <a:p>
             <a:fld id="{177895F8-79D5-43F9-9A0B-D3E2D0BBA791}" type="datetimeFigureOut">
               <a:rPr lang="en-GB" smtClean="0"/>
-              <a:t>21/03/2021</a:t>
+              <a:t>22/03/2021</a:t>
             </a:fld>
             <a:endParaRPr lang="en-GB"/>
           </a:p>
@@ -1836,7 +1837,7 @@
           <a:p>
             <a:fld id="{177895F8-79D5-43F9-9A0B-D3E2D0BBA791}" type="datetimeFigureOut">
               <a:rPr lang="en-GB" smtClean="0"/>
-              <a:t>21/03/2021</a:t>
+              <a:t>22/03/2021</a:t>
             </a:fld>
             <a:endParaRPr lang="en-GB"/>
           </a:p>
@@ -1978,7 +1979,7 @@
           <a:p>
             <a:fld id="{177895F8-79D5-43F9-9A0B-D3E2D0BBA791}" type="datetimeFigureOut">
               <a:rPr lang="en-GB" smtClean="0"/>
-              <a:t>21/03/2021</a:t>
+              <a:t>22/03/2021</a:t>
             </a:fld>
             <a:endParaRPr lang="en-GB"/>
           </a:p>
@@ -2091,7 +2092,7 @@
           <a:p>
             <a:fld id="{177895F8-79D5-43F9-9A0B-D3E2D0BBA791}" type="datetimeFigureOut">
               <a:rPr lang="en-GB" smtClean="0"/>
-              <a:t>21/03/2021</a:t>
+              <a:t>22/03/2021</a:t>
             </a:fld>
             <a:endParaRPr lang="en-GB"/>
           </a:p>
@@ -2404,7 +2405,7 @@
           <a:p>
             <a:fld id="{177895F8-79D5-43F9-9A0B-D3E2D0BBA791}" type="datetimeFigureOut">
               <a:rPr lang="en-GB" smtClean="0"/>
-              <a:t>21/03/2021</a:t>
+              <a:t>22/03/2021</a:t>
             </a:fld>
             <a:endParaRPr lang="en-GB"/>
           </a:p>
@@ -2693,7 +2694,7 @@
           <a:p>
             <a:fld id="{177895F8-79D5-43F9-9A0B-D3E2D0BBA791}" type="datetimeFigureOut">
               <a:rPr lang="en-GB" smtClean="0"/>
-              <a:t>21/03/2021</a:t>
+              <a:t>22/03/2021</a:t>
             </a:fld>
             <a:endParaRPr lang="en-GB"/>
           </a:p>
@@ -2936,7 +2937,7 @@
           <a:p>
             <a:fld id="{177895F8-79D5-43F9-9A0B-D3E2D0BBA791}" type="datetimeFigureOut">
               <a:rPr lang="en-GB" smtClean="0"/>
-              <a:t>21/03/2021</a:t>
+              <a:t>22/03/2021</a:t>
             </a:fld>
             <a:endParaRPr lang="en-GB"/>
           </a:p>
@@ -4521,6 +4522,82 @@
 </p:sld>
 </file>
 
+<file path=ppt/slides/slide8.xml><?xml version="1.0" encoding="utf-8"?>
+<p:sld xmlns:a="http://schemas.openxmlformats.org/drawingml/2006/main" xmlns:r="http://schemas.openxmlformats.org/officeDocument/2006/relationships" xmlns:p="http://schemas.openxmlformats.org/presentationml/2006/main">
+  <p:cSld>
+    <p:spTree>
+      <p:nvGrpSpPr>
+        <p:cNvPr id="1" name=""/>
+        <p:cNvGrpSpPr/>
+        <p:nvPr/>
+      </p:nvGrpSpPr>
+      <p:grpSpPr>
+        <a:xfrm>
+          <a:off x="0" y="0"/>
+          <a:ext cx="0" cy="0"/>
+          <a:chOff x="0" y="0"/>
+          <a:chExt cx="0" cy="0"/>
+        </a:xfrm>
+      </p:grpSpPr>
+      <p:pic>
+        <p:nvPicPr>
+          <p:cNvPr id="5" name="Picture 4" descr="A close up of a bug&#10;&#10;Description automatically generated with medium confidence">
+            <a:extLst>
+              <a:ext uri="{FF2B5EF4-FFF2-40B4-BE49-F238E27FC236}">
+                <a16:creationId xmlns:a16="http://schemas.microsoft.com/office/drawing/2014/main" id="{D58DF7D2-45CD-4F7A-9C5F-68A9551718B9}"/>
+              </a:ext>
+            </a:extLst>
+          </p:cNvPr>
+          <p:cNvPicPr>
+            <a:picLocks noChangeAspect="1"/>
+          </p:cNvPicPr>
+          <p:nvPr/>
+        </p:nvPicPr>
+        <p:blipFill>
+          <a:blip r:embed="rId2">
+            <a:extLst>
+              <a:ext uri="{28A0092B-C50C-407E-A947-70E740481C1C}">
+                <a14:useLocalDpi xmlns:a14="http://schemas.microsoft.com/office/drawing/2010/main" val="0"/>
+              </a:ext>
+            </a:extLst>
+          </a:blip>
+          <a:stretch>
+            <a:fillRect/>
+          </a:stretch>
+        </p:blipFill>
+        <p:spPr>
+          <a:xfrm>
+            <a:off x="3977635" y="1847085"/>
+            <a:ext cx="4236729" cy="3163830"/>
+          </a:xfrm>
+          <a:prstGeom prst="rect">
+            <a:avLst/>
+          </a:prstGeom>
+          <a:ln>
+            <a:noFill/>
+          </a:ln>
+          <a:effectLst>
+            <a:outerShdw blurRad="292100" dist="139700" dir="2700000" algn="tl" rotWithShape="0">
+              <a:srgbClr val="333333">
+                <a:alpha val="65000"/>
+              </a:srgbClr>
+            </a:outerShdw>
+          </a:effectLst>
+        </p:spPr>
+      </p:pic>
+    </p:spTree>
+    <p:extLst>
+      <p:ext uri="{BB962C8B-B14F-4D97-AF65-F5344CB8AC3E}">
+        <p14:creationId xmlns:p14="http://schemas.microsoft.com/office/powerpoint/2010/main" val="2031613063"/>
+      </p:ext>
+    </p:extLst>
+  </p:cSld>
+  <p:clrMapOvr>
+    <a:masterClrMapping/>
+  </p:clrMapOvr>
+</p:sld>
+</file>
+
 <file path=ppt/theme/theme1.xml><?xml version="1.0" encoding="utf-8"?>
 <a:theme xmlns:a="http://schemas.openxmlformats.org/drawingml/2006/main" name="Office Theme">
   <a:themeElements>
